--- a/tarahi.pptx
+++ b/tarahi.pptx
@@ -139,12 +139,12 @@
   </p:defaultTextStyle>
   <p:extLst>
     <p:ext uri="{521415D9-36F7-43E2-AB2F-B90AF26B5E84}">
-      <p14:sectionLst xmlns:p14="http://schemas.microsoft.com/office/powerpoint/2010/main" xmlns="">
+      <p14:sectionLst xmlns:p14="http://schemas.microsoft.com/office/powerpoint/2010/main">
         <p14:section name="Default Section" id="{2048A5B1-7E42-49D2-A149-72FDD1330369}">
           <p14:sldIdLst>
             <p14:sldId id="286"/>
             <p14:sldId id="256"/>
-            <p14:sldId id="287"/>
+            <p14:sldId id="290"/>
             <p14:sldId id="257"/>
             <p14:sldId id="271"/>
             <p14:sldId id="259"/>
@@ -172,12 +172,24 @@
             <p14:sldId id="283"/>
             <p14:sldId id="284"/>
             <p14:sldId id="285"/>
+            <p14:sldId id="289"/>
           </p14:sldIdLst>
         </p14:section>
       </p14:sectionLst>
     </p:ext>
     <p:ext uri="{EFAFB233-063F-42B5-8137-9DF3F51BA10A}">
-      <p15:sldGuideLst xmlns:p15="http://schemas.microsoft.com/office/powerpoint/2012/main" xmlns=""/>
+      <p15:sldGuideLst xmlns:p15="http://schemas.microsoft.com/office/powerpoint/2012/main">
+        <p15:guide id="1" orient="horz" pos="2160">
+          <p15:clr>
+            <a:srgbClr val="A4A3A4"/>
+          </p15:clr>
+        </p15:guide>
+        <p15:guide id="2" pos="3840">
+          <p15:clr>
+            <a:srgbClr val="A4A3A4"/>
+          </p15:clr>
+        </p15:guide>
+      </p15:sldGuideLst>
     </p:ext>
   </p:extLst>
 </p:presentation>
@@ -266,7 +278,7 @@
             <a:fld id="{A7D39D87-A9A5-40EF-BDAC-BDCC5AAB4B02}" type="datetimeFigureOut">
               <a:rPr lang="en-US" smtClean="0"/>
               <a:pPr/>
-              <a:t>7/24/2016</a:t>
+              <a:t>5/7/2020</a:t>
             </a:fld>
             <a:endParaRPr lang="en-US"/>
           </a:p>
@@ -434,7 +446,7 @@
     </p:spTree>
     <p:extLst>
       <p:ext uri="{BB962C8B-B14F-4D97-AF65-F5344CB8AC3E}">
-        <p14:creationId xmlns:p14="http://schemas.microsoft.com/office/powerpoint/2010/main" xmlns="" val="3617931691"/>
+        <p14:creationId xmlns:p14="http://schemas.microsoft.com/office/powerpoint/2010/main" val="3617931691"/>
       </p:ext>
     </p:extLst>
   </p:cSld>
@@ -721,7 +733,7 @@
             <a:fld id="{2147BFD8-6267-4418-9B1A-FCD432037454}" type="datetime1">
               <a:rPr lang="en-US" smtClean="0"/>
               <a:pPr/>
-              <a:t>7/24/2016</a:t>
+              <a:t>5/7/2020</a:t>
             </a:fld>
             <a:endParaRPr lang="en-US"/>
           </a:p>
@@ -773,20 +785,20 @@
     </p:spTree>
     <p:extLst>
       <p:ext uri="{BB962C8B-B14F-4D97-AF65-F5344CB8AC3E}">
-        <p14:creationId xmlns:p14="http://schemas.microsoft.com/office/powerpoint/2010/main" xmlns="" val="2642816697"/>
+        <p14:creationId xmlns:p14="http://schemas.microsoft.com/office/powerpoint/2010/main" val="2642816697"/>
       </p:ext>
     </p:extLst>
   </p:cSld>
   <p:clrMapOvr>
     <a:masterClrMapping/>
   </p:clrMapOvr>
-  <mc:AlternateContent xmlns:mc="http://schemas.openxmlformats.org/markup-compatibility/2006">
-    <mc:Choice xmlns:p14="http://schemas.microsoft.com/office/powerpoint/2010/main" xmlns="" Requires="p14">
+  <mc:AlternateContent xmlns:mc="http://schemas.openxmlformats.org/markup-compatibility/2006" xmlns:p14="http://schemas.microsoft.com/office/powerpoint/2010/main">
+    <mc:Choice Requires="p14">
       <p:transition spd="slow" p14:dur="1500">
         <p:split orient="vert"/>
       </p:transition>
     </mc:Choice>
-    <mc:Fallback>
+    <mc:Fallback xmlns="">
       <p:transition spd="slow">
         <p:split orient="vert"/>
       </p:transition>
@@ -1010,7 +1022,7 @@
             <a:fld id="{8D5B016F-4658-4B08-B772-51C872AB3D44}" type="datetime1">
               <a:rPr lang="en-US" smtClean="0"/>
               <a:pPr/>
-              <a:t>7/24/2016</a:t>
+              <a:t>5/7/2020</a:t>
             </a:fld>
             <a:endParaRPr lang="en-US"/>
           </a:p>
@@ -1062,20 +1074,20 @@
     </p:spTree>
     <p:extLst>
       <p:ext uri="{BB962C8B-B14F-4D97-AF65-F5344CB8AC3E}">
-        <p14:creationId xmlns:p14="http://schemas.microsoft.com/office/powerpoint/2010/main" xmlns="" val="2770226974"/>
+        <p14:creationId xmlns:p14="http://schemas.microsoft.com/office/powerpoint/2010/main" val="2770226974"/>
       </p:ext>
     </p:extLst>
   </p:cSld>
   <p:clrMapOvr>
     <a:masterClrMapping/>
   </p:clrMapOvr>
-  <mc:AlternateContent xmlns:mc="http://schemas.openxmlformats.org/markup-compatibility/2006">
-    <mc:Choice xmlns:p14="http://schemas.microsoft.com/office/powerpoint/2010/main" xmlns="" Requires="p14">
+  <mc:AlternateContent xmlns:mc="http://schemas.openxmlformats.org/markup-compatibility/2006" xmlns:p14="http://schemas.microsoft.com/office/powerpoint/2010/main">
+    <mc:Choice Requires="p14">
       <p:transition spd="slow" p14:dur="1500">
         <p:split orient="vert"/>
       </p:transition>
     </mc:Choice>
-    <mc:Fallback>
+    <mc:Fallback xmlns="">
       <p:transition spd="slow">
         <p:split orient="vert"/>
       </p:transition>
@@ -1218,7 +1230,7 @@
             <a:fld id="{48BC30D3-CA33-4830-BA4E-C8F303B4FF36}" type="datetime1">
               <a:rPr lang="en-US" smtClean="0"/>
               <a:pPr/>
-              <a:t>7/24/2016</a:t>
+              <a:t>5/7/2020</a:t>
             </a:fld>
             <a:endParaRPr lang="en-US"/>
           </a:p>
@@ -1270,20 +1282,20 @@
     </p:spTree>
     <p:extLst>
       <p:ext uri="{BB962C8B-B14F-4D97-AF65-F5344CB8AC3E}">
-        <p14:creationId xmlns:p14="http://schemas.microsoft.com/office/powerpoint/2010/main" xmlns="" val="4285908420"/>
+        <p14:creationId xmlns:p14="http://schemas.microsoft.com/office/powerpoint/2010/main" val="4285908420"/>
       </p:ext>
     </p:extLst>
   </p:cSld>
   <p:clrMapOvr>
     <a:masterClrMapping/>
   </p:clrMapOvr>
-  <mc:AlternateContent xmlns:mc="http://schemas.openxmlformats.org/markup-compatibility/2006">
-    <mc:Choice xmlns:p14="http://schemas.microsoft.com/office/powerpoint/2010/main" xmlns="" Requires="p14">
+  <mc:AlternateContent xmlns:mc="http://schemas.openxmlformats.org/markup-compatibility/2006" xmlns:p14="http://schemas.microsoft.com/office/powerpoint/2010/main">
+    <mc:Choice Requires="p14">
       <p:transition spd="slow" p14:dur="1500">
         <p:split orient="vert"/>
       </p:transition>
     </mc:Choice>
-    <mc:Fallback>
+    <mc:Fallback xmlns="">
       <p:transition spd="slow">
         <p:split orient="vert"/>
       </p:transition>
@@ -1503,7 +1515,7 @@
             <a:fld id="{6D2F0469-88AD-4FA8-9BC3-3C4C244CD198}" type="datetime1">
               <a:rPr lang="en-US" smtClean="0"/>
               <a:pPr/>
-              <a:t>7/24/2016</a:t>
+              <a:t>5/7/2020</a:t>
             </a:fld>
             <a:endParaRPr lang="en-US"/>
           </a:p>
@@ -1635,20 +1647,20 @@
     </p:spTree>
     <p:extLst>
       <p:ext uri="{BB962C8B-B14F-4D97-AF65-F5344CB8AC3E}">
-        <p14:creationId xmlns:p14="http://schemas.microsoft.com/office/powerpoint/2010/main" xmlns="" val="3773261043"/>
+        <p14:creationId xmlns:p14="http://schemas.microsoft.com/office/powerpoint/2010/main" val="3773261043"/>
       </p:ext>
     </p:extLst>
   </p:cSld>
   <p:clrMapOvr>
     <a:masterClrMapping/>
   </p:clrMapOvr>
-  <mc:AlternateContent xmlns:mc="http://schemas.openxmlformats.org/markup-compatibility/2006">
-    <mc:Choice xmlns:p14="http://schemas.microsoft.com/office/powerpoint/2010/main" xmlns="" Requires="p14">
+  <mc:AlternateContent xmlns:mc="http://schemas.openxmlformats.org/markup-compatibility/2006" xmlns:p14="http://schemas.microsoft.com/office/powerpoint/2010/main">
+    <mc:Choice Requires="p14">
       <p:transition spd="slow" p14:dur="1500">
         <p:split orient="vert"/>
       </p:transition>
     </mc:Choice>
-    <mc:Fallback>
+    <mc:Fallback xmlns="">
       <p:transition spd="slow">
         <p:split orient="vert"/>
       </p:transition>
@@ -1844,7 +1856,7 @@
             <a:fld id="{44B4F975-874C-4AFF-9787-3985C63046AD}" type="datetime1">
               <a:rPr lang="en-US" smtClean="0"/>
               <a:pPr/>
-              <a:t>7/24/2016</a:t>
+              <a:t>5/7/2020</a:t>
             </a:fld>
             <a:endParaRPr lang="en-US"/>
           </a:p>
@@ -1896,20 +1908,20 @@
     </p:spTree>
     <p:extLst>
       <p:ext uri="{BB962C8B-B14F-4D97-AF65-F5344CB8AC3E}">
-        <p14:creationId xmlns:p14="http://schemas.microsoft.com/office/powerpoint/2010/main" xmlns="" val="2010099663"/>
+        <p14:creationId xmlns:p14="http://schemas.microsoft.com/office/powerpoint/2010/main" val="2010099663"/>
       </p:ext>
     </p:extLst>
   </p:cSld>
   <p:clrMapOvr>
     <a:masterClrMapping/>
   </p:clrMapOvr>
-  <mc:AlternateContent xmlns:mc="http://schemas.openxmlformats.org/markup-compatibility/2006">
-    <mc:Choice xmlns:p14="http://schemas.microsoft.com/office/powerpoint/2010/main" xmlns="" Requires="p14">
+  <mc:AlternateContent xmlns:mc="http://schemas.openxmlformats.org/markup-compatibility/2006" xmlns:p14="http://schemas.microsoft.com/office/powerpoint/2010/main">
+    <mc:Choice Requires="p14">
       <p:transition spd="slow" p14:dur="1500">
         <p:split orient="vert"/>
       </p:transition>
     </mc:Choice>
-    <mc:Fallback>
+    <mc:Fallback xmlns="">
       <p:transition spd="slow">
         <p:split orient="vert"/>
       </p:transition>
@@ -2477,7 +2489,7 @@
             <a:fld id="{2B59189A-6D2A-493E-BB6D-3120377BF5E4}" type="datetime1">
               <a:rPr lang="en-US" smtClean="0"/>
               <a:pPr/>
-              <a:t>7/24/2016</a:t>
+              <a:t>5/7/2020</a:t>
             </a:fld>
             <a:endParaRPr lang="en-US"/>
           </a:p>
@@ -2529,20 +2541,20 @@
     </p:spTree>
     <p:extLst>
       <p:ext uri="{BB962C8B-B14F-4D97-AF65-F5344CB8AC3E}">
-        <p14:creationId xmlns:p14="http://schemas.microsoft.com/office/powerpoint/2010/main" xmlns="" val="753844279"/>
+        <p14:creationId xmlns:p14="http://schemas.microsoft.com/office/powerpoint/2010/main" val="753844279"/>
       </p:ext>
     </p:extLst>
   </p:cSld>
   <p:clrMapOvr>
     <a:masterClrMapping/>
   </p:clrMapOvr>
-  <mc:AlternateContent xmlns:mc="http://schemas.openxmlformats.org/markup-compatibility/2006">
-    <mc:Choice xmlns:p14="http://schemas.microsoft.com/office/powerpoint/2010/main" xmlns="" Requires="p14">
+  <mc:AlternateContent xmlns:mc="http://schemas.openxmlformats.org/markup-compatibility/2006" xmlns:p14="http://schemas.microsoft.com/office/powerpoint/2010/main">
+    <mc:Choice Requires="p14">
       <p:transition spd="slow" p14:dur="1500">
         <p:split orient="vert"/>
       </p:transition>
     </mc:Choice>
-    <mc:Fallback>
+    <mc:Fallback xmlns="">
       <p:transition spd="slow">
         <p:split orient="vert"/>
       </p:transition>
@@ -3338,7 +3350,7 @@
             <a:fld id="{E7485830-96E2-4A57-8FFA-9B40116EB65D}" type="datetime1">
               <a:rPr lang="en-US" smtClean="0"/>
               <a:pPr/>
-              <a:t>7/24/2016</a:t>
+              <a:t>5/7/2020</a:t>
             </a:fld>
             <a:endParaRPr lang="en-US"/>
           </a:p>
@@ -3390,20 +3402,20 @@
     </p:spTree>
     <p:extLst>
       <p:ext uri="{BB962C8B-B14F-4D97-AF65-F5344CB8AC3E}">
-        <p14:creationId xmlns:p14="http://schemas.microsoft.com/office/powerpoint/2010/main" xmlns="" val="3618922270"/>
+        <p14:creationId xmlns:p14="http://schemas.microsoft.com/office/powerpoint/2010/main" val="3618922270"/>
       </p:ext>
     </p:extLst>
   </p:cSld>
   <p:clrMapOvr>
     <a:masterClrMapping/>
   </p:clrMapOvr>
-  <mc:AlternateContent xmlns:mc="http://schemas.openxmlformats.org/markup-compatibility/2006">
-    <mc:Choice xmlns:p14="http://schemas.microsoft.com/office/powerpoint/2010/main" xmlns="" Requires="p14">
+  <mc:AlternateContent xmlns:mc="http://schemas.openxmlformats.org/markup-compatibility/2006" xmlns:p14="http://schemas.microsoft.com/office/powerpoint/2010/main">
+    <mc:Choice Requires="p14">
       <p:transition spd="slow" p14:dur="1500">
         <p:split orient="vert"/>
       </p:transition>
     </mc:Choice>
-    <mc:Fallback>
+    <mc:Fallback xmlns="">
       <p:transition spd="slow">
         <p:split orient="vert"/>
       </p:transition>
@@ -3522,7 +3534,7 @@
             <a:fld id="{BA217321-F811-461F-8B5A-80F0FCC0686E}" type="datetime1">
               <a:rPr lang="en-US" smtClean="0"/>
               <a:pPr/>
-              <a:t>7/24/2016</a:t>
+              <a:t>5/7/2020</a:t>
             </a:fld>
             <a:endParaRPr lang="en-US"/>
           </a:p>
@@ -3574,20 +3586,20 @@
     </p:spTree>
     <p:extLst>
       <p:ext uri="{BB962C8B-B14F-4D97-AF65-F5344CB8AC3E}">
-        <p14:creationId xmlns:p14="http://schemas.microsoft.com/office/powerpoint/2010/main" xmlns="" val="2181697667"/>
+        <p14:creationId xmlns:p14="http://schemas.microsoft.com/office/powerpoint/2010/main" val="2181697667"/>
       </p:ext>
     </p:extLst>
   </p:cSld>
   <p:clrMapOvr>
     <a:masterClrMapping/>
   </p:clrMapOvr>
-  <mc:AlternateContent xmlns:mc="http://schemas.openxmlformats.org/markup-compatibility/2006">
-    <mc:Choice xmlns:p14="http://schemas.microsoft.com/office/powerpoint/2010/main" xmlns="" Requires="p14">
+  <mc:AlternateContent xmlns:mc="http://schemas.openxmlformats.org/markup-compatibility/2006" xmlns:p14="http://schemas.microsoft.com/office/powerpoint/2010/main">
+    <mc:Choice Requires="p14">
       <p:transition spd="slow" p14:dur="1500">
         <p:split orient="vert"/>
       </p:transition>
     </mc:Choice>
-    <mc:Fallback>
+    <mc:Fallback xmlns="">
       <p:transition spd="slow">
         <p:split orient="vert"/>
       </p:transition>
@@ -3716,7 +3728,7 @@
             <a:fld id="{66D1D525-AEE2-4C71-B5FC-197FD9854DFD}" type="datetime1">
               <a:rPr lang="en-US" smtClean="0"/>
               <a:pPr/>
-              <a:t>7/24/2016</a:t>
+              <a:t>5/7/2020</a:t>
             </a:fld>
             <a:endParaRPr lang="en-US"/>
           </a:p>
@@ -3768,20 +3780,20 @@
     </p:spTree>
     <p:extLst>
       <p:ext uri="{BB962C8B-B14F-4D97-AF65-F5344CB8AC3E}">
-        <p14:creationId xmlns:p14="http://schemas.microsoft.com/office/powerpoint/2010/main" xmlns="" val="3729012208"/>
+        <p14:creationId xmlns:p14="http://schemas.microsoft.com/office/powerpoint/2010/main" val="3729012208"/>
       </p:ext>
     </p:extLst>
   </p:cSld>
   <p:clrMapOvr>
     <a:masterClrMapping/>
   </p:clrMapOvr>
-  <mc:AlternateContent xmlns:mc="http://schemas.openxmlformats.org/markup-compatibility/2006">
-    <mc:Choice xmlns:p14="http://schemas.microsoft.com/office/powerpoint/2010/main" xmlns="" Requires="p14">
+  <mc:AlternateContent xmlns:mc="http://schemas.openxmlformats.org/markup-compatibility/2006" xmlns:p14="http://schemas.microsoft.com/office/powerpoint/2010/main">
+    <mc:Choice Requires="p14">
       <p:transition spd="slow" p14:dur="1500">
         <p:split orient="vert"/>
       </p:transition>
     </mc:Choice>
-    <mc:Fallback>
+    <mc:Fallback xmlns="">
       <p:transition spd="slow">
         <p:split orient="vert"/>
       </p:transition>
@@ -3900,7 +3912,7 @@
             <a:fld id="{1F154BAF-0E6A-475A-A542-D45131E01287}" type="datetime1">
               <a:rPr lang="en-US" smtClean="0"/>
               <a:pPr/>
-              <a:t>7/24/2016</a:t>
+              <a:t>5/7/2020</a:t>
             </a:fld>
             <a:endParaRPr lang="en-US"/>
           </a:p>
@@ -3952,20 +3964,20 @@
     </p:spTree>
     <p:extLst>
       <p:ext uri="{BB962C8B-B14F-4D97-AF65-F5344CB8AC3E}">
-        <p14:creationId xmlns:p14="http://schemas.microsoft.com/office/powerpoint/2010/main" xmlns="" val="1320404156"/>
+        <p14:creationId xmlns:p14="http://schemas.microsoft.com/office/powerpoint/2010/main" val="1320404156"/>
       </p:ext>
     </p:extLst>
   </p:cSld>
   <p:clrMapOvr>
     <a:masterClrMapping/>
   </p:clrMapOvr>
-  <mc:AlternateContent xmlns:mc="http://schemas.openxmlformats.org/markup-compatibility/2006">
-    <mc:Choice xmlns:p14="http://schemas.microsoft.com/office/powerpoint/2010/main" xmlns="" Requires="p14">
+  <mc:AlternateContent xmlns:mc="http://schemas.openxmlformats.org/markup-compatibility/2006" xmlns:p14="http://schemas.microsoft.com/office/powerpoint/2010/main">
+    <mc:Choice Requires="p14">
       <p:transition spd="slow" p14:dur="1500">
         <p:split orient="vert"/>
       </p:transition>
     </mc:Choice>
-    <mc:Fallback>
+    <mc:Fallback xmlns="">
       <p:transition spd="slow">
         <p:split orient="vert"/>
       </p:transition>
@@ -4161,7 +4173,7 @@
             <a:fld id="{BE21D060-9CDA-49CC-BED0-A8586AB2E8FA}" type="datetime1">
               <a:rPr lang="en-US" smtClean="0"/>
               <a:pPr/>
-              <a:t>7/24/2016</a:t>
+              <a:t>5/7/2020</a:t>
             </a:fld>
             <a:endParaRPr lang="en-US"/>
           </a:p>
@@ -4213,20 +4225,20 @@
     </p:spTree>
     <p:extLst>
       <p:ext uri="{BB962C8B-B14F-4D97-AF65-F5344CB8AC3E}">
-        <p14:creationId xmlns:p14="http://schemas.microsoft.com/office/powerpoint/2010/main" xmlns="" val="3777630757"/>
+        <p14:creationId xmlns:p14="http://schemas.microsoft.com/office/powerpoint/2010/main" val="3777630757"/>
       </p:ext>
     </p:extLst>
   </p:cSld>
   <p:clrMapOvr>
     <a:masterClrMapping/>
   </p:clrMapOvr>
-  <mc:AlternateContent xmlns:mc="http://schemas.openxmlformats.org/markup-compatibility/2006">
-    <mc:Choice xmlns:p14="http://schemas.microsoft.com/office/powerpoint/2010/main" xmlns="" Requires="p14">
+  <mc:AlternateContent xmlns:mc="http://schemas.openxmlformats.org/markup-compatibility/2006" xmlns:p14="http://schemas.microsoft.com/office/powerpoint/2010/main">
+    <mc:Choice Requires="p14">
       <p:transition spd="slow" p14:dur="1500">
         <p:split orient="vert"/>
       </p:transition>
     </mc:Choice>
-    <mc:Fallback>
+    <mc:Fallback xmlns="">
       <p:transition spd="slow">
         <p:split orient="vert"/>
       </p:transition>
@@ -4467,7 +4479,7 @@
             <a:fld id="{6D6132F2-86FA-4AB4-A181-7C9CDA2970E5}" type="datetime1">
               <a:rPr lang="en-US" smtClean="0"/>
               <a:pPr/>
-              <a:t>7/24/2016</a:t>
+              <a:t>5/7/2020</a:t>
             </a:fld>
             <a:endParaRPr lang="en-US"/>
           </a:p>
@@ -4519,20 +4531,20 @@
     </p:spTree>
     <p:extLst>
       <p:ext uri="{BB962C8B-B14F-4D97-AF65-F5344CB8AC3E}">
-        <p14:creationId xmlns:p14="http://schemas.microsoft.com/office/powerpoint/2010/main" xmlns="" val="3759580858"/>
+        <p14:creationId xmlns:p14="http://schemas.microsoft.com/office/powerpoint/2010/main" val="3759580858"/>
       </p:ext>
     </p:extLst>
   </p:cSld>
   <p:clrMapOvr>
     <a:masterClrMapping/>
   </p:clrMapOvr>
-  <mc:AlternateContent xmlns:mc="http://schemas.openxmlformats.org/markup-compatibility/2006">
-    <mc:Choice xmlns:p14="http://schemas.microsoft.com/office/powerpoint/2010/main" xmlns="" Requires="p14">
+  <mc:AlternateContent xmlns:mc="http://schemas.openxmlformats.org/markup-compatibility/2006" xmlns:p14="http://schemas.microsoft.com/office/powerpoint/2010/main">
+    <mc:Choice Requires="p14">
       <p:transition spd="slow" p14:dur="1500">
         <p:split orient="vert"/>
       </p:transition>
     </mc:Choice>
-    <mc:Fallback>
+    <mc:Fallback xmlns="">
       <p:transition spd="slow">
         <p:split orient="vert"/>
       </p:transition>
@@ -4925,7 +4937,7 @@
             <a:fld id="{7A677075-7D0A-41BB-8A68-7854F52B5193}" type="datetime1">
               <a:rPr lang="en-US" smtClean="0"/>
               <a:pPr/>
-              <a:t>7/24/2016</a:t>
+              <a:t>5/7/2020</a:t>
             </a:fld>
             <a:endParaRPr lang="en-US"/>
           </a:p>
@@ -4977,20 +4989,20 @@
     </p:spTree>
     <p:extLst>
       <p:ext uri="{BB962C8B-B14F-4D97-AF65-F5344CB8AC3E}">
-        <p14:creationId xmlns:p14="http://schemas.microsoft.com/office/powerpoint/2010/main" xmlns="" val="3251528407"/>
+        <p14:creationId xmlns:p14="http://schemas.microsoft.com/office/powerpoint/2010/main" val="3251528407"/>
       </p:ext>
     </p:extLst>
   </p:cSld>
   <p:clrMapOvr>
     <a:masterClrMapping/>
   </p:clrMapOvr>
-  <mc:AlternateContent xmlns:mc="http://schemas.openxmlformats.org/markup-compatibility/2006">
-    <mc:Choice xmlns:p14="http://schemas.microsoft.com/office/powerpoint/2010/main" xmlns="" Requires="p14">
+  <mc:AlternateContent xmlns:mc="http://schemas.openxmlformats.org/markup-compatibility/2006" xmlns:p14="http://schemas.microsoft.com/office/powerpoint/2010/main">
+    <mc:Choice Requires="p14">
       <p:transition spd="slow" p14:dur="1500">
         <p:split orient="vert"/>
       </p:transition>
     </mc:Choice>
-    <mc:Fallback>
+    <mc:Fallback xmlns="">
       <p:transition spd="slow">
         <p:split orient="vert"/>
       </p:transition>
@@ -5057,7 +5069,7 @@
             <a:fld id="{0A730254-0BDB-46B3-A4DD-C8BBF2219927}" type="datetime1">
               <a:rPr lang="en-US" smtClean="0"/>
               <a:pPr/>
-              <a:t>7/24/2016</a:t>
+              <a:t>5/7/2020</a:t>
             </a:fld>
             <a:endParaRPr lang="en-US"/>
           </a:p>
@@ -5109,20 +5121,20 @@
     </p:spTree>
     <p:extLst>
       <p:ext uri="{BB962C8B-B14F-4D97-AF65-F5344CB8AC3E}">
-        <p14:creationId xmlns:p14="http://schemas.microsoft.com/office/powerpoint/2010/main" xmlns="" val="1023259410"/>
+        <p14:creationId xmlns:p14="http://schemas.microsoft.com/office/powerpoint/2010/main" val="1023259410"/>
       </p:ext>
     </p:extLst>
   </p:cSld>
   <p:clrMapOvr>
     <a:masterClrMapping/>
   </p:clrMapOvr>
-  <mc:AlternateContent xmlns:mc="http://schemas.openxmlformats.org/markup-compatibility/2006">
-    <mc:Choice xmlns:p14="http://schemas.microsoft.com/office/powerpoint/2010/main" xmlns="" Requires="p14">
+  <mc:AlternateContent xmlns:mc="http://schemas.openxmlformats.org/markup-compatibility/2006" xmlns:p14="http://schemas.microsoft.com/office/powerpoint/2010/main">
+    <mc:Choice Requires="p14">
       <p:transition spd="slow" p14:dur="1500">
         <p:split orient="vert"/>
       </p:transition>
     </mc:Choice>
-    <mc:Fallback>
+    <mc:Fallback xmlns="">
       <p:transition spd="slow">
         <p:split orient="vert"/>
       </p:transition>
@@ -5166,7 +5178,7 @@
             <a:fld id="{EA05E7C4-747D-4AA8-8EE5-BAAED94D5B31}" type="datetime1">
               <a:rPr lang="en-US" smtClean="0"/>
               <a:pPr/>
-              <a:t>7/24/2016</a:t>
+              <a:t>5/7/2020</a:t>
             </a:fld>
             <a:endParaRPr lang="en-US"/>
           </a:p>
@@ -5218,20 +5230,20 @@
     </p:spTree>
     <p:extLst>
       <p:ext uri="{BB962C8B-B14F-4D97-AF65-F5344CB8AC3E}">
-        <p14:creationId xmlns:p14="http://schemas.microsoft.com/office/powerpoint/2010/main" xmlns="" val="3120784343"/>
+        <p14:creationId xmlns:p14="http://schemas.microsoft.com/office/powerpoint/2010/main" val="3120784343"/>
       </p:ext>
     </p:extLst>
   </p:cSld>
   <p:clrMapOvr>
     <a:masterClrMapping/>
   </p:clrMapOvr>
-  <mc:AlternateContent xmlns:mc="http://schemas.openxmlformats.org/markup-compatibility/2006">
-    <mc:Choice xmlns:p14="http://schemas.microsoft.com/office/powerpoint/2010/main" xmlns="" Requires="p14">
+  <mc:AlternateContent xmlns:mc="http://schemas.openxmlformats.org/markup-compatibility/2006" xmlns:p14="http://schemas.microsoft.com/office/powerpoint/2010/main">
+    <mc:Choice Requires="p14">
       <p:transition spd="slow" p14:dur="1500">
         <p:split orient="vert"/>
       </p:transition>
     </mc:Choice>
-    <mc:Fallback>
+    <mc:Fallback xmlns="">
       <p:transition spd="slow">
         <p:split orient="vert"/>
       </p:transition>
@@ -5459,7 +5471,7 @@
             <a:fld id="{23F080D0-CC75-458D-ACA6-7FDC5F775725}" type="datetime1">
               <a:rPr lang="en-US" smtClean="0"/>
               <a:pPr/>
-              <a:t>7/24/2016</a:t>
+              <a:t>5/7/2020</a:t>
             </a:fld>
             <a:endParaRPr lang="en-US"/>
           </a:p>
@@ -5511,20 +5523,20 @@
     </p:spTree>
     <p:extLst>
       <p:ext uri="{BB962C8B-B14F-4D97-AF65-F5344CB8AC3E}">
-        <p14:creationId xmlns:p14="http://schemas.microsoft.com/office/powerpoint/2010/main" xmlns="" val="3249996094"/>
+        <p14:creationId xmlns:p14="http://schemas.microsoft.com/office/powerpoint/2010/main" val="3249996094"/>
       </p:ext>
     </p:extLst>
   </p:cSld>
   <p:clrMapOvr>
     <a:masterClrMapping/>
   </p:clrMapOvr>
-  <mc:AlternateContent xmlns:mc="http://schemas.openxmlformats.org/markup-compatibility/2006">
-    <mc:Choice xmlns:p14="http://schemas.microsoft.com/office/powerpoint/2010/main" xmlns="" Requires="p14">
+  <mc:AlternateContent xmlns:mc="http://schemas.openxmlformats.org/markup-compatibility/2006" xmlns:p14="http://schemas.microsoft.com/office/powerpoint/2010/main">
+    <mc:Choice Requires="p14">
       <p:transition spd="slow" p14:dur="1500">
         <p:split orient="vert"/>
       </p:transition>
     </mc:Choice>
-    <mc:Fallback>
+    <mc:Fallback xmlns="">
       <p:transition spd="slow">
         <p:split orient="vert"/>
       </p:transition>
@@ -5748,7 +5760,7 @@
             <a:fld id="{212B37EB-5443-40A2-B2BB-B952C32E1CDE}" type="datetime1">
               <a:rPr lang="en-US" smtClean="0"/>
               <a:pPr/>
-              <a:t>7/24/2016</a:t>
+              <a:t>5/7/2020</a:t>
             </a:fld>
             <a:endParaRPr lang="en-US"/>
           </a:p>
@@ -5800,20 +5812,20 @@
     </p:spTree>
     <p:extLst>
       <p:ext uri="{BB962C8B-B14F-4D97-AF65-F5344CB8AC3E}">
-        <p14:creationId xmlns:p14="http://schemas.microsoft.com/office/powerpoint/2010/main" xmlns="" val="3342396727"/>
+        <p14:creationId xmlns:p14="http://schemas.microsoft.com/office/powerpoint/2010/main" val="3342396727"/>
       </p:ext>
     </p:extLst>
   </p:cSld>
   <p:clrMapOvr>
     <a:masterClrMapping/>
   </p:clrMapOvr>
-  <mc:AlternateContent xmlns:mc="http://schemas.openxmlformats.org/markup-compatibility/2006">
-    <mc:Choice xmlns:p14="http://schemas.microsoft.com/office/powerpoint/2010/main" xmlns="" Requires="p14">
+  <mc:AlternateContent xmlns:mc="http://schemas.openxmlformats.org/markup-compatibility/2006" xmlns:p14="http://schemas.microsoft.com/office/powerpoint/2010/main">
+    <mc:Choice Requires="p14">
       <p:transition spd="slow" p14:dur="1500">
         <p:split orient="vert"/>
       </p:transition>
     </mc:Choice>
-    <mc:Fallback>
+    <mc:Fallback xmlns="">
       <p:transition spd="slow">
         <p:split orient="vert"/>
       </p:transition>
@@ -5856,7 +5868,7 @@
           <a:blip r:embed="rId19">
             <a:extLst>
               <a:ext uri="{28A0092B-C50C-407E-A947-70E740481C1C}">
-                <a14:useLocalDpi xmlns:a14="http://schemas.microsoft.com/office/drawing/2010/main" xmlns="" val="0"/>
+                <a14:useLocalDpi xmlns:a14="http://schemas.microsoft.com/office/drawing/2010/main" val="0"/>
               </a:ext>
             </a:extLst>
           </a:blip>
@@ -5885,7 +5897,7 @@
           <a:blip r:embed="rId20">
             <a:extLst>
               <a:ext uri="{28A0092B-C50C-407E-A947-70E740481C1C}">
-                <a14:useLocalDpi xmlns:a14="http://schemas.microsoft.com/office/drawing/2010/main" xmlns="" val="0"/>
+                <a14:useLocalDpi xmlns:a14="http://schemas.microsoft.com/office/drawing/2010/main" val="0"/>
               </a:ext>
             </a:extLst>
           </a:blip>
@@ -5971,7 +5983,7 @@
           <a:blip r:embed="rId21">
             <a:extLst>
               <a:ext uri="{28A0092B-C50C-407E-A947-70E740481C1C}">
-                <a14:useLocalDpi xmlns:a14="http://schemas.microsoft.com/office/drawing/2010/main" xmlns="" val="0"/>
+                <a14:useLocalDpi xmlns:a14="http://schemas.microsoft.com/office/drawing/2010/main" val="0"/>
               </a:ext>
             </a:extLst>
           </a:blip>
@@ -6000,7 +6012,7 @@
           <a:blip r:embed="rId22">
             <a:extLst>
               <a:ext uri="{28A0092B-C50C-407E-A947-70E740481C1C}">
-                <a14:useLocalDpi xmlns:a14="http://schemas.microsoft.com/office/drawing/2010/main" xmlns="" val="0"/>
+                <a14:useLocalDpi xmlns:a14="http://schemas.microsoft.com/office/drawing/2010/main" val="0"/>
               </a:ext>
             </a:extLst>
           </a:blip>
@@ -6185,7 +6197,7 @@
             <a:fld id="{21E75FD0-5D82-491D-AB7F-071245C49B4B}" type="datetime1">
               <a:rPr lang="en-US" smtClean="0"/>
               <a:pPr/>
-              <a:t>7/24/2016</a:t>
+              <a:t>5/7/2020</a:t>
             </a:fld>
             <a:endParaRPr lang="en-US"/>
           </a:p>
@@ -6274,7 +6286,7 @@
     </p:spTree>
     <p:extLst>
       <p:ext uri="{BB962C8B-B14F-4D97-AF65-F5344CB8AC3E}">
-        <p14:creationId xmlns:p14="http://schemas.microsoft.com/office/powerpoint/2010/main" xmlns="" val="547062924"/>
+        <p14:creationId xmlns:p14="http://schemas.microsoft.com/office/powerpoint/2010/main" val="547062924"/>
       </p:ext>
     </p:extLst>
   </p:cSld>
@@ -6298,13 +6310,13 @@
     <p:sldLayoutId id="2147483694" r:id="rId16"/>
     <p:sldLayoutId id="2147483695" r:id="rId17"/>
   </p:sldLayoutIdLst>
-  <mc:AlternateContent xmlns:mc="http://schemas.openxmlformats.org/markup-compatibility/2006">
-    <mc:Choice xmlns:p14="http://schemas.microsoft.com/office/powerpoint/2010/main" xmlns="" Requires="p14">
+  <mc:AlternateContent xmlns:mc="http://schemas.openxmlformats.org/markup-compatibility/2006" xmlns:p14="http://schemas.microsoft.com/office/powerpoint/2010/main">
+    <mc:Choice Requires="p14">
       <p:transition spd="slow" p14:dur="1500">
         <p:split orient="vert"/>
       </p:transition>
     </mc:Choice>
-    <mc:Fallback>
+    <mc:Fallback xmlns="">
       <p:transition spd="slow">
         <p:split orient="vert"/>
       </p:transition>
@@ -6862,7 +6874,7 @@
     </p:spTree>
     <p:extLst>
       <p:ext uri="{BB962C8B-B14F-4D97-AF65-F5344CB8AC3E}">
-        <p14:creationId xmlns:p14="http://schemas.microsoft.com/office/powerpoint/2010/main" xmlns="" val="3931492194"/>
+        <p14:creationId xmlns:p14="http://schemas.microsoft.com/office/powerpoint/2010/main" val="3931492194"/>
       </p:ext>
     </p:extLst>
   </p:cSld>
@@ -7526,7 +7538,7 @@
           <a:blip r:embed="rId2" cstate="print">
             <a:extLst>
               <a:ext uri="{28A0092B-C50C-407E-A947-70E740481C1C}">
-                <a14:useLocalDpi xmlns:a14="http://schemas.microsoft.com/office/drawing/2010/main" xmlns="" val="0"/>
+                <a14:useLocalDpi xmlns:a14="http://schemas.microsoft.com/office/drawing/2010/main" val="0"/>
               </a:ext>
             </a:extLst>
           </a:blip>
@@ -7576,7 +7588,7 @@
     </p:spTree>
     <p:extLst>
       <p:ext uri="{BB962C8B-B14F-4D97-AF65-F5344CB8AC3E}">
-        <p14:creationId xmlns:p14="http://schemas.microsoft.com/office/powerpoint/2010/main" xmlns="" val="1420598418"/>
+        <p14:creationId xmlns:p14="http://schemas.microsoft.com/office/powerpoint/2010/main" val="1420598418"/>
       </p:ext>
     </p:extLst>
   </p:cSld>
@@ -8528,7 +8540,7 @@
           <a:blip r:embed="rId2" cstate="print">
             <a:extLst>
               <a:ext uri="{28A0092B-C50C-407E-A947-70E740481C1C}">
-                <a14:useLocalDpi xmlns:a14="http://schemas.microsoft.com/office/drawing/2010/main" xmlns="" val="0"/>
+                <a14:useLocalDpi xmlns:a14="http://schemas.microsoft.com/office/drawing/2010/main" val="0"/>
               </a:ext>
             </a:extLst>
           </a:blip>
@@ -8578,7 +8590,7 @@
     </p:spTree>
     <p:extLst>
       <p:ext uri="{BB962C8B-B14F-4D97-AF65-F5344CB8AC3E}">
-        <p14:creationId xmlns:p14="http://schemas.microsoft.com/office/powerpoint/2010/main" xmlns="" val="3333106224"/>
+        <p14:creationId xmlns:p14="http://schemas.microsoft.com/office/powerpoint/2010/main" val="3333106224"/>
       </p:ext>
     </p:extLst>
   </p:cSld>
@@ -9711,7 +9723,7 @@
           <a:blip r:embed="rId2" cstate="print">
             <a:extLst>
               <a:ext uri="{28A0092B-C50C-407E-A947-70E740481C1C}">
-                <a14:useLocalDpi xmlns:a14="http://schemas.microsoft.com/office/drawing/2010/main" xmlns="" val="0"/>
+                <a14:useLocalDpi xmlns:a14="http://schemas.microsoft.com/office/drawing/2010/main" val="0"/>
               </a:ext>
             </a:extLst>
           </a:blip>
@@ -9761,7 +9773,7 @@
     </p:spTree>
     <p:extLst>
       <p:ext uri="{BB962C8B-B14F-4D97-AF65-F5344CB8AC3E}">
-        <p14:creationId xmlns:p14="http://schemas.microsoft.com/office/powerpoint/2010/main" xmlns="" val="733654996"/>
+        <p14:creationId xmlns:p14="http://schemas.microsoft.com/office/powerpoint/2010/main" val="733654996"/>
       </p:ext>
     </p:extLst>
   </p:cSld>
@@ -10764,7 +10776,7 @@
           <a:blip r:embed="rId2" cstate="print">
             <a:extLst>
               <a:ext uri="{28A0092B-C50C-407E-A947-70E740481C1C}">
-                <a14:useLocalDpi xmlns:a14="http://schemas.microsoft.com/office/drawing/2010/main" xmlns="" val="0"/>
+                <a14:useLocalDpi xmlns:a14="http://schemas.microsoft.com/office/drawing/2010/main" val="0"/>
               </a:ext>
             </a:extLst>
           </a:blip>
@@ -10814,7 +10826,7 @@
     </p:spTree>
     <p:extLst>
       <p:ext uri="{BB962C8B-B14F-4D97-AF65-F5344CB8AC3E}">
-        <p14:creationId xmlns:p14="http://schemas.microsoft.com/office/powerpoint/2010/main" xmlns="" val="4028947564"/>
+        <p14:creationId xmlns:p14="http://schemas.microsoft.com/office/powerpoint/2010/main" val="4028947564"/>
       </p:ext>
     </p:extLst>
   </p:cSld>
@@ -11131,7 +11143,7 @@
           <a:blip r:embed="rId2" cstate="print">
             <a:extLst>
               <a:ext uri="{28A0092B-C50C-407E-A947-70E740481C1C}">
-                <a14:useLocalDpi xmlns:a14="http://schemas.microsoft.com/office/drawing/2010/main" xmlns="" val="0"/>
+                <a14:useLocalDpi xmlns:a14="http://schemas.microsoft.com/office/drawing/2010/main" val="0"/>
               </a:ext>
             </a:extLst>
           </a:blip>
@@ -11687,7 +11699,7 @@
     </p:spTree>
     <p:extLst>
       <p:ext uri="{BB962C8B-B14F-4D97-AF65-F5344CB8AC3E}">
-        <p14:creationId xmlns:p14="http://schemas.microsoft.com/office/powerpoint/2010/main" xmlns="" val="931017203"/>
+        <p14:creationId xmlns:p14="http://schemas.microsoft.com/office/powerpoint/2010/main" val="931017203"/>
       </p:ext>
     </p:extLst>
   </p:cSld>
@@ -12684,7 +12696,7 @@
           <a:blip r:embed="rId2" cstate="print">
             <a:extLst>
               <a:ext uri="{28A0092B-C50C-407E-A947-70E740481C1C}">
-                <a14:useLocalDpi xmlns:a14="http://schemas.microsoft.com/office/drawing/2010/main" xmlns="" val="0"/>
+                <a14:useLocalDpi xmlns:a14="http://schemas.microsoft.com/office/drawing/2010/main" val="0"/>
               </a:ext>
             </a:extLst>
           </a:blip>
@@ -12777,7 +12789,7 @@
     </p:spTree>
     <p:extLst>
       <p:ext uri="{BB962C8B-B14F-4D97-AF65-F5344CB8AC3E}">
-        <p14:creationId xmlns:p14="http://schemas.microsoft.com/office/powerpoint/2010/main" xmlns="" val="795673094"/>
+        <p14:creationId xmlns:p14="http://schemas.microsoft.com/office/powerpoint/2010/main" val="795673094"/>
       </p:ext>
     </p:extLst>
   </p:cSld>
@@ -13949,7 +13961,7 @@
     </p:spTree>
     <p:extLst>
       <p:ext uri="{BB962C8B-B14F-4D97-AF65-F5344CB8AC3E}">
-        <p14:creationId xmlns:p14="http://schemas.microsoft.com/office/powerpoint/2010/main" xmlns="" val="1817966618"/>
+        <p14:creationId xmlns:p14="http://schemas.microsoft.com/office/powerpoint/2010/main" val="1817966618"/>
       </p:ext>
     </p:extLst>
   </p:cSld>
@@ -14779,7 +14791,7 @@
           <a:blip r:embed="rId2" cstate="print">
             <a:extLst>
               <a:ext uri="{28A0092B-C50C-407E-A947-70E740481C1C}">
-                <a14:useLocalDpi xmlns:a14="http://schemas.microsoft.com/office/drawing/2010/main" xmlns="" val="0"/>
+                <a14:useLocalDpi xmlns:a14="http://schemas.microsoft.com/office/drawing/2010/main" val="0"/>
               </a:ext>
             </a:extLst>
           </a:blip>
@@ -15238,7 +15250,7 @@
     </p:spTree>
     <p:extLst>
       <p:ext uri="{BB962C8B-B14F-4D97-AF65-F5344CB8AC3E}">
-        <p14:creationId xmlns:p14="http://schemas.microsoft.com/office/powerpoint/2010/main" xmlns="" val="2798930939"/>
+        <p14:creationId xmlns:p14="http://schemas.microsoft.com/office/powerpoint/2010/main" val="2798930939"/>
       </p:ext>
     </p:extLst>
   </p:cSld>
@@ -16787,7 +16799,7 @@
           <a:blip r:embed="rId2" cstate="print">
             <a:extLst>
               <a:ext uri="{28A0092B-C50C-407E-A947-70E740481C1C}">
-                <a14:useLocalDpi xmlns:a14="http://schemas.microsoft.com/office/drawing/2010/main" xmlns="" val="0"/>
+                <a14:useLocalDpi xmlns:a14="http://schemas.microsoft.com/office/drawing/2010/main" val="0"/>
               </a:ext>
             </a:extLst>
           </a:blip>
@@ -16846,7 +16858,7 @@
           <a:blip r:embed="rId3">
             <a:extLst>
               <a:ext uri="{28A0092B-C50C-407E-A947-70E740481C1C}">
-                <a14:useLocalDpi xmlns:a14="http://schemas.microsoft.com/office/drawing/2010/main" xmlns="" val="0"/>
+                <a14:useLocalDpi xmlns:a14="http://schemas.microsoft.com/office/drawing/2010/main" val="0"/>
               </a:ext>
             </a:extLst>
           </a:blip>
@@ -16876,7 +16888,7 @@
           <a:blip r:embed="rId4">
             <a:extLst>
               <a:ext uri="{28A0092B-C50C-407E-A947-70E740481C1C}">
-                <a14:useLocalDpi xmlns:a14="http://schemas.microsoft.com/office/drawing/2010/main" xmlns="" val="0"/>
+                <a14:useLocalDpi xmlns:a14="http://schemas.microsoft.com/office/drawing/2010/main" val="0"/>
               </a:ext>
             </a:extLst>
           </a:blip>
@@ -16963,7 +16975,7 @@
     </p:spTree>
     <p:extLst>
       <p:ext uri="{BB962C8B-B14F-4D97-AF65-F5344CB8AC3E}">
-        <p14:creationId xmlns:p14="http://schemas.microsoft.com/office/powerpoint/2010/main" xmlns="" val="571419095"/>
+        <p14:creationId xmlns:p14="http://schemas.microsoft.com/office/powerpoint/2010/main" val="571419095"/>
       </p:ext>
     </p:extLst>
   </p:cSld>
@@ -17431,7 +17443,7 @@
           <a:blip r:embed="rId3">
             <a:extLst>
               <a:ext uri="{28A0092B-C50C-407E-A947-70E740481C1C}">
-                <a14:useLocalDpi xmlns:a14="http://schemas.microsoft.com/office/drawing/2010/main" xmlns="" val="0"/>
+                <a14:useLocalDpi xmlns:a14="http://schemas.microsoft.com/office/drawing/2010/main" val="0"/>
               </a:ext>
             </a:extLst>
           </a:blip>
@@ -17539,7 +17551,7 @@
     </p:spTree>
     <p:extLst>
       <p:ext uri="{BB962C8B-B14F-4D97-AF65-F5344CB8AC3E}">
-        <p14:creationId xmlns:p14="http://schemas.microsoft.com/office/powerpoint/2010/main" xmlns="" val="3936237449"/>
+        <p14:creationId xmlns:p14="http://schemas.microsoft.com/office/powerpoint/2010/main" val="3936237449"/>
       </p:ext>
     </p:extLst>
   </p:cSld>
@@ -17948,7 +17960,7 @@
           <a:blip r:embed="rId2" cstate="print">
             <a:extLst>
               <a:ext uri="{28A0092B-C50C-407E-A947-70E740481C1C}">
-                <a14:useLocalDpi xmlns:a14="http://schemas.microsoft.com/office/drawing/2010/main" xmlns="" val="0"/>
+                <a14:useLocalDpi xmlns:a14="http://schemas.microsoft.com/office/drawing/2010/main" val="0"/>
               </a:ext>
             </a:extLst>
           </a:blip>
@@ -17998,7 +18010,7 @@
     </p:spTree>
     <p:extLst>
       <p:ext uri="{BB962C8B-B14F-4D97-AF65-F5344CB8AC3E}">
-        <p14:creationId xmlns:p14="http://schemas.microsoft.com/office/powerpoint/2010/main" xmlns="" val="894447466"/>
+        <p14:creationId xmlns:p14="http://schemas.microsoft.com/office/powerpoint/2010/main" val="894447466"/>
       </p:ext>
     </p:extLst>
   </p:cSld>
@@ -18677,7 +18689,7 @@
           <a:blip r:embed="rId2" cstate="print">
             <a:extLst>
               <a:ext uri="{28A0092B-C50C-407E-A947-70E740481C1C}">
-                <a14:useLocalDpi xmlns:a14="http://schemas.microsoft.com/office/drawing/2010/main" xmlns="" val="0"/>
+                <a14:useLocalDpi xmlns:a14="http://schemas.microsoft.com/office/drawing/2010/main" val="0"/>
               </a:ext>
             </a:extLst>
           </a:blip>
@@ -18707,7 +18719,7 @@
           <a:blip r:embed="rId3">
             <a:extLst>
               <a:ext uri="{28A0092B-C50C-407E-A947-70E740481C1C}">
-                <a14:useLocalDpi xmlns:a14="http://schemas.microsoft.com/office/drawing/2010/main" xmlns="" val="0"/>
+                <a14:useLocalDpi xmlns:a14="http://schemas.microsoft.com/office/drawing/2010/main" val="0"/>
               </a:ext>
             </a:extLst>
           </a:blip>
@@ -18758,7 +18770,7 @@
     </p:spTree>
     <p:extLst>
       <p:ext uri="{BB962C8B-B14F-4D97-AF65-F5344CB8AC3E}">
-        <p14:creationId xmlns:p14="http://schemas.microsoft.com/office/powerpoint/2010/main" xmlns="" val="4042851913"/>
+        <p14:creationId xmlns:p14="http://schemas.microsoft.com/office/powerpoint/2010/main" val="4042851913"/>
       </p:ext>
     </p:extLst>
   </p:cSld>
@@ -18979,7 +18991,7 @@
           <a:blip r:embed="rId2" cstate="print">
             <a:extLst>
               <a:ext uri="{28A0092B-C50C-407E-A947-70E740481C1C}">
-                <a14:useLocalDpi xmlns:a14="http://schemas.microsoft.com/office/drawing/2010/main" xmlns="" val="0"/>
+                <a14:useLocalDpi xmlns:a14="http://schemas.microsoft.com/office/drawing/2010/main" val="0"/>
               </a:ext>
             </a:extLst>
           </a:blip>
@@ -19009,7 +19021,7 @@
           <a:blip r:embed="rId3">
             <a:extLst>
               <a:ext uri="{28A0092B-C50C-407E-A947-70E740481C1C}">
-                <a14:useLocalDpi xmlns:a14="http://schemas.microsoft.com/office/drawing/2010/main" xmlns="" val="0"/>
+                <a14:useLocalDpi xmlns:a14="http://schemas.microsoft.com/office/drawing/2010/main" val="0"/>
               </a:ext>
             </a:extLst>
           </a:blip>
@@ -19059,7 +19071,7 @@
     </p:spTree>
     <p:extLst>
       <p:ext uri="{BB962C8B-B14F-4D97-AF65-F5344CB8AC3E}">
-        <p14:creationId xmlns:p14="http://schemas.microsoft.com/office/powerpoint/2010/main" xmlns="" val="561302168"/>
+        <p14:creationId xmlns:p14="http://schemas.microsoft.com/office/powerpoint/2010/main" val="561302168"/>
       </p:ext>
     </p:extLst>
   </p:cSld>
@@ -19918,7 +19930,7 @@
     </p:spTree>
     <p:extLst>
       <p:ext uri="{BB962C8B-B14F-4D97-AF65-F5344CB8AC3E}">
-        <p14:creationId xmlns:p14="http://schemas.microsoft.com/office/powerpoint/2010/main" xmlns="" val="1396051444"/>
+        <p14:creationId xmlns:p14="http://schemas.microsoft.com/office/powerpoint/2010/main" val="1396051444"/>
       </p:ext>
     </p:extLst>
   </p:cSld>
@@ -20513,7 +20525,7 @@
           <a:blip r:embed="rId2" cstate="print">
             <a:extLst>
               <a:ext uri="{28A0092B-C50C-407E-A947-70E740481C1C}">
-                <a14:useLocalDpi xmlns:a14="http://schemas.microsoft.com/office/drawing/2010/main" xmlns="" val="0"/>
+                <a14:useLocalDpi xmlns:a14="http://schemas.microsoft.com/office/drawing/2010/main" val="0"/>
               </a:ext>
             </a:extLst>
           </a:blip>
@@ -20680,7 +20692,7 @@
     </p:spTree>
     <p:extLst>
       <p:ext uri="{BB962C8B-B14F-4D97-AF65-F5344CB8AC3E}">
-        <p14:creationId xmlns:p14="http://schemas.microsoft.com/office/powerpoint/2010/main" xmlns="" val="3713433600"/>
+        <p14:creationId xmlns:p14="http://schemas.microsoft.com/office/powerpoint/2010/main" val="3713433600"/>
       </p:ext>
     </p:extLst>
   </p:cSld>
@@ -21626,7 +21638,7 @@
           <a:blip r:embed="rId2" cstate="print">
             <a:extLst>
               <a:ext uri="{28A0092B-C50C-407E-A947-70E740481C1C}">
-                <a14:useLocalDpi xmlns:a14="http://schemas.microsoft.com/office/drawing/2010/main" xmlns="" val="0"/>
+                <a14:useLocalDpi xmlns:a14="http://schemas.microsoft.com/office/drawing/2010/main" val="0"/>
               </a:ext>
             </a:extLst>
           </a:blip>
@@ -21677,7 +21689,7 @@
     </p:spTree>
     <p:extLst>
       <p:ext uri="{BB962C8B-B14F-4D97-AF65-F5344CB8AC3E}">
-        <p14:creationId xmlns:p14="http://schemas.microsoft.com/office/powerpoint/2010/main" xmlns="" val="1497134505"/>
+        <p14:creationId xmlns:p14="http://schemas.microsoft.com/office/powerpoint/2010/main" val="1497134505"/>
       </p:ext>
     </p:extLst>
   </p:cSld>
@@ -22524,7 +22536,7 @@
           <a:blip r:embed="rId2" cstate="print">
             <a:extLst>
               <a:ext uri="{28A0092B-C50C-407E-A947-70E740481C1C}">
-                <a14:useLocalDpi xmlns:a14="http://schemas.microsoft.com/office/drawing/2010/main" xmlns="" val="0"/>
+                <a14:useLocalDpi xmlns:a14="http://schemas.microsoft.com/office/drawing/2010/main" val="0"/>
               </a:ext>
             </a:extLst>
           </a:blip>
@@ -22575,7 +22587,7 @@
     </p:spTree>
     <p:extLst>
       <p:ext uri="{BB962C8B-B14F-4D97-AF65-F5344CB8AC3E}">
-        <p14:creationId xmlns:p14="http://schemas.microsoft.com/office/powerpoint/2010/main" xmlns="" val="1796061660"/>
+        <p14:creationId xmlns:p14="http://schemas.microsoft.com/office/powerpoint/2010/main" val="1796061660"/>
       </p:ext>
     </p:extLst>
   </p:cSld>
@@ -22750,7 +22762,7 @@
           <a:blip r:embed="rId3" cstate="print">
             <a:extLst>
               <a:ext uri="{28A0092B-C50C-407E-A947-70E740481C1C}">
-                <a14:useLocalDpi xmlns:a14="http://schemas.microsoft.com/office/drawing/2010/main" xmlns="" val="0"/>
+                <a14:useLocalDpi xmlns:a14="http://schemas.microsoft.com/office/drawing/2010/main" val="0"/>
               </a:ext>
             </a:extLst>
           </a:blip>
@@ -22801,7 +22813,7 @@
     </p:spTree>
     <p:extLst>
       <p:ext uri="{BB962C8B-B14F-4D97-AF65-F5344CB8AC3E}">
-        <p14:creationId xmlns:p14="http://schemas.microsoft.com/office/powerpoint/2010/main" xmlns="" val="3173873556"/>
+        <p14:creationId xmlns:p14="http://schemas.microsoft.com/office/powerpoint/2010/main" val="3173873556"/>
       </p:ext>
     </p:extLst>
   </p:cSld>
@@ -23449,7 +23461,7 @@
           <a:blip r:embed="rId2" cstate="print">
             <a:extLst>
               <a:ext uri="{28A0092B-C50C-407E-A947-70E740481C1C}">
-                <a14:useLocalDpi xmlns:a14="http://schemas.microsoft.com/office/drawing/2010/main" xmlns="" val="0"/>
+                <a14:useLocalDpi xmlns:a14="http://schemas.microsoft.com/office/drawing/2010/main" val="0"/>
               </a:ext>
             </a:extLst>
           </a:blip>
@@ -24013,7 +24025,7 @@
           <p:nvPr>
             <p:extLst>
               <p:ext uri="{D42A27DB-BD31-4B8C-83A1-F6EECF244321}">
-                <p14:modId xmlns:p14="http://schemas.microsoft.com/office/powerpoint/2010/main" xmlns="" val="3933027297"/>
+                <p14:modId xmlns:p14="http://schemas.microsoft.com/office/powerpoint/2010/main" val="3933027297"/>
               </p:ext>
             </p:extLst>
           </p:nvPr>
@@ -24030,14 +24042,14 @@
                 <a:gridCol w="209958">
                   <a:extLst>
                     <a:ext uri="{9D8B030D-6E8A-4147-A177-3AD203B41FA5}">
-                      <a16:colId xmlns:a16="http://schemas.microsoft.com/office/drawing/2014/main" xmlns="" val="20000"/>
+                      <a16:colId xmlns:a16="http://schemas.microsoft.com/office/drawing/2014/main" val="20000"/>
                     </a:ext>
                   </a:extLst>
                 </a:gridCol>
                 <a:gridCol w="2579653">
                   <a:extLst>
                     <a:ext uri="{9D8B030D-6E8A-4147-A177-3AD203B41FA5}">
-                      <a16:colId xmlns:a16="http://schemas.microsoft.com/office/drawing/2014/main" xmlns="" val="20001"/>
+                      <a16:colId xmlns:a16="http://schemas.microsoft.com/office/drawing/2014/main" val="20001"/>
                     </a:ext>
                   </a:extLst>
                 </a:gridCol>
@@ -24182,7 +24194,7 @@
                 </a:tc>
                 <a:extLst>
                   <a:ext uri="{0D108BD9-81ED-4DB2-BD59-A6C34878D82A}">
-                    <a16:rowId xmlns:a16="http://schemas.microsoft.com/office/drawing/2014/main" xmlns="" val="10000"/>
+                    <a16:rowId xmlns:a16="http://schemas.microsoft.com/office/drawing/2014/main" val="10000"/>
                   </a:ext>
                 </a:extLst>
               </a:tr>
@@ -24340,7 +24352,7 @@
     </p:spTree>
     <p:extLst>
       <p:ext uri="{BB962C8B-B14F-4D97-AF65-F5344CB8AC3E}">
-        <p14:creationId xmlns:p14="http://schemas.microsoft.com/office/powerpoint/2010/main" xmlns="" val="1049632407"/>
+        <p14:creationId xmlns:p14="http://schemas.microsoft.com/office/powerpoint/2010/main" val="1049632407"/>
       </p:ext>
     </p:extLst>
   </p:cSld>
@@ -25277,7 +25289,7 @@
           <a:blip r:embed="rId2" cstate="print">
             <a:extLst>
               <a:ext uri="{28A0092B-C50C-407E-A947-70E740481C1C}">
-                <a14:useLocalDpi xmlns:a14="http://schemas.microsoft.com/office/drawing/2010/main" xmlns="" val="0"/>
+                <a14:useLocalDpi xmlns:a14="http://schemas.microsoft.com/office/drawing/2010/main" val="0"/>
               </a:ext>
             </a:extLst>
           </a:blip>
@@ -25500,7 +25512,7 @@
     </p:spTree>
     <p:extLst>
       <p:ext uri="{BB962C8B-B14F-4D97-AF65-F5344CB8AC3E}">
-        <p14:creationId xmlns:p14="http://schemas.microsoft.com/office/powerpoint/2010/main" xmlns="" val="1587552727"/>
+        <p14:creationId xmlns:p14="http://schemas.microsoft.com/office/powerpoint/2010/main" val="1587552727"/>
       </p:ext>
     </p:extLst>
   </p:cSld>
@@ -26334,7 +26346,7 @@
           <a:blip r:embed="rId2" cstate="print">
             <a:extLst>
               <a:ext uri="{28A0092B-C50C-407E-A947-70E740481C1C}">
-                <a14:useLocalDpi xmlns:a14="http://schemas.microsoft.com/office/drawing/2010/main" xmlns="" val="0"/>
+                <a14:useLocalDpi xmlns:a14="http://schemas.microsoft.com/office/drawing/2010/main" val="0"/>
               </a:ext>
             </a:extLst>
           </a:blip>
@@ -26535,7 +26547,7 @@
     </p:spTree>
     <p:extLst>
       <p:ext uri="{BB962C8B-B14F-4D97-AF65-F5344CB8AC3E}">
-        <p14:creationId xmlns:p14="http://schemas.microsoft.com/office/powerpoint/2010/main" xmlns="" val="1751923207"/>
+        <p14:creationId xmlns:p14="http://schemas.microsoft.com/office/powerpoint/2010/main" val="1751923207"/>
       </p:ext>
     </p:extLst>
   </p:cSld>
@@ -27034,7 +27046,41 @@
                 <a:latin typeface="Times New Roman" pitchFamily="18" charset="0"/>
                 <a:cs typeface="Times New Roman" pitchFamily="18" charset="0"/>
               </a:rPr>
-              <a:t>بخش ششم: ایجاد برنامه</a:t>
+              <a:t>بخش ششم: </a:t>
+            </a:r>
+            <a:r>
+              <a:rPr lang="fa-IR" sz="2400" i="1" smtClean="0">
+                <a:solidFill>
+                  <a:srgbClr val="FFFAB0"/>
+                </a:solidFill>
+                <a:effectLst>
+                  <a:outerShdw blurRad="38100" dist="38100" dir="2700000" algn="tl">
+                    <a:srgbClr val="000000">
+                      <a:alpha val="43137"/>
+                    </a:srgbClr>
+                  </a:outerShdw>
+                </a:effectLst>
+                <a:latin typeface="Times New Roman" pitchFamily="18" charset="0"/>
+                <a:cs typeface="Times New Roman" pitchFamily="18" charset="0"/>
+              </a:rPr>
+              <a:t>ایجاد </a:t>
+            </a:r>
+            <a:r>
+              <a:rPr lang="fa-IR" sz="2400" i="1" smtClean="0">
+                <a:solidFill>
+                  <a:srgbClr val="FFFAB0"/>
+                </a:solidFill>
+                <a:effectLst>
+                  <a:outerShdw blurRad="38100" dist="38100" dir="2700000" algn="tl">
+                    <a:srgbClr val="000000">
+                      <a:alpha val="43137"/>
+                    </a:srgbClr>
+                  </a:outerShdw>
+                </a:effectLst>
+                <a:latin typeface="Times New Roman" pitchFamily="18" charset="0"/>
+                <a:cs typeface="Times New Roman" pitchFamily="18" charset="0"/>
+              </a:rPr>
+              <a:t>برنامه در پایتون</a:t>
             </a:r>
             <a:endParaRPr lang="en-US" sz="2400" i="1" dirty="0" smtClean="0">
               <a:solidFill>
@@ -27232,7 +27278,7 @@
           <a:blip r:embed="rId3" cstate="print">
             <a:extLst>
               <a:ext uri="{28A0092B-C50C-407E-A947-70E740481C1C}">
-                <a14:useLocalDpi xmlns:a14="http://schemas.microsoft.com/office/drawing/2010/main" xmlns="" val="0"/>
+                <a14:useLocalDpi xmlns:a14="http://schemas.microsoft.com/office/drawing/2010/main" val="0"/>
               </a:ext>
             </a:extLst>
           </a:blip>
@@ -27253,7 +27299,7 @@
     </p:spTree>
     <p:extLst>
       <p:ext uri="{BB962C8B-B14F-4D97-AF65-F5344CB8AC3E}">
-        <p14:creationId xmlns:p14="http://schemas.microsoft.com/office/powerpoint/2010/main" xmlns="" val="812901688"/>
+        <p14:creationId xmlns:p14="http://schemas.microsoft.com/office/powerpoint/2010/main" val="812901688"/>
       </p:ext>
     </p:extLst>
   </p:cSld>
@@ -27777,6 +27823,18 @@
               <a:t>Python </a:t>
             </a:r>
             <a:r>
+              <a:rPr lang="fa-IR" sz="2200" i="1" dirty="0" smtClean="0">
+                <a:effectLst>
+                  <a:outerShdw blurRad="38100" dist="38100" dir="2700000" algn="tl">
+                    <a:srgbClr val="000000">
+                      <a:alpha val="43137"/>
+                    </a:srgbClr>
+                  </a:outerShdw>
+                </a:effectLst>
+              </a:rPr>
+              <a:t> </a:t>
+            </a:r>
+            <a:r>
               <a:rPr lang="fa-IR" sz="2200" i="1" dirty="0">
                 <a:effectLst>
                   <a:outerShdw blurRad="38100" dist="38100" dir="2700000" algn="tl">
@@ -27786,7 +27844,7 @@
                   </a:outerShdw>
                 </a:effectLst>
               </a:rPr>
-              <a:t> نامیده بود صرف می‌کند. </a:t>
+              <a:t>نامیده بود صرف می‌کند. </a:t>
             </a:r>
             <a:r>
               <a:rPr lang="fa-IR" sz="2200" i="1" dirty="0">
@@ -28153,7 +28211,7 @@
           <a:blip r:embed="rId2" cstate="print">
             <a:extLst>
               <a:ext uri="{28A0092B-C50C-407E-A947-70E740481C1C}">
-                <a14:useLocalDpi xmlns:a14="http://schemas.microsoft.com/office/drawing/2010/main" xmlns="" val="0"/>
+                <a14:useLocalDpi xmlns:a14="http://schemas.microsoft.com/office/drawing/2010/main" val="0"/>
               </a:ext>
             </a:extLst>
           </a:blip>
@@ -28203,7 +28261,7 @@
     </p:spTree>
     <p:extLst>
       <p:ext uri="{BB962C8B-B14F-4D97-AF65-F5344CB8AC3E}">
-        <p14:creationId xmlns:p14="http://schemas.microsoft.com/office/powerpoint/2010/main" xmlns="" val="3759178998"/>
+        <p14:creationId xmlns:p14="http://schemas.microsoft.com/office/powerpoint/2010/main" val="3759178998"/>
       </p:ext>
     </p:extLst>
   </p:cSld>
@@ -28446,7 +28504,7 @@
     </p:spTree>
     <p:extLst>
       <p:ext uri="{BB962C8B-B14F-4D97-AF65-F5344CB8AC3E}">
-        <p14:creationId xmlns:p14="http://schemas.microsoft.com/office/powerpoint/2010/main" xmlns="" val="1609785753"/>
+        <p14:creationId xmlns:p14="http://schemas.microsoft.com/office/powerpoint/2010/main" val="1609785753"/>
       </p:ext>
     </p:extLst>
   </p:cSld>
@@ -28973,7 +29031,7 @@
           <a:blip r:embed="rId2" cstate="print">
             <a:extLst>
               <a:ext uri="{28A0092B-C50C-407E-A947-70E740481C1C}">
-                <a14:useLocalDpi xmlns:a14="http://schemas.microsoft.com/office/drawing/2010/main" xmlns="" val="0"/>
+                <a14:useLocalDpi xmlns:a14="http://schemas.microsoft.com/office/drawing/2010/main" val="0"/>
               </a:ext>
             </a:extLst>
           </a:blip>
@@ -29066,7 +29124,7 @@
     </p:spTree>
     <p:extLst>
       <p:ext uri="{BB962C8B-B14F-4D97-AF65-F5344CB8AC3E}">
-        <p14:creationId xmlns:p14="http://schemas.microsoft.com/office/powerpoint/2010/main" xmlns="" val="133299856"/>
+        <p14:creationId xmlns:p14="http://schemas.microsoft.com/office/powerpoint/2010/main" val="133299856"/>
       </p:ext>
     </p:extLst>
   </p:cSld>
@@ -30080,7 +30138,7 @@
           <a:blip r:embed="rId2" cstate="print">
             <a:extLst>
               <a:ext uri="{28A0092B-C50C-407E-A947-70E740481C1C}">
-                <a14:useLocalDpi xmlns:a14="http://schemas.microsoft.com/office/drawing/2010/main" xmlns="" val="0"/>
+                <a14:useLocalDpi xmlns:a14="http://schemas.microsoft.com/office/drawing/2010/main" val="0"/>
               </a:ext>
             </a:extLst>
           </a:blip>
@@ -30130,7 +30188,7 @@
     </p:spTree>
     <p:extLst>
       <p:ext uri="{BB962C8B-B14F-4D97-AF65-F5344CB8AC3E}">
-        <p14:creationId xmlns:p14="http://schemas.microsoft.com/office/powerpoint/2010/main" xmlns="" val="661819687"/>
+        <p14:creationId xmlns:p14="http://schemas.microsoft.com/office/powerpoint/2010/main" val="661819687"/>
       </p:ext>
     </p:extLst>
   </p:cSld>
@@ -31520,7 +31578,7 @@
           <a:blip r:embed="rId2" cstate="print">
             <a:extLst>
               <a:ext uri="{28A0092B-C50C-407E-A947-70E740481C1C}">
-                <a14:useLocalDpi xmlns:a14="http://schemas.microsoft.com/office/drawing/2010/main" xmlns="" val="0"/>
+                <a14:useLocalDpi xmlns:a14="http://schemas.microsoft.com/office/drawing/2010/main" val="0"/>
               </a:ext>
             </a:extLst>
           </a:blip>
@@ -31570,7 +31628,7 @@
     </p:spTree>
     <p:extLst>
       <p:ext uri="{BB962C8B-B14F-4D97-AF65-F5344CB8AC3E}">
-        <p14:creationId xmlns:p14="http://schemas.microsoft.com/office/powerpoint/2010/main" xmlns="" val="419903944"/>
+        <p14:creationId xmlns:p14="http://schemas.microsoft.com/office/powerpoint/2010/main" val="419903944"/>
       </p:ext>
     </p:extLst>
   </p:cSld>
@@ -31916,7 +31974,7 @@
           <a:blip r:embed="rId2" cstate="print">
             <a:extLst>
               <a:ext uri="{28A0092B-C50C-407E-A947-70E740481C1C}">
-                <a14:useLocalDpi xmlns:a14="http://schemas.microsoft.com/office/drawing/2010/main" xmlns="" val="0"/>
+                <a14:useLocalDpi xmlns:a14="http://schemas.microsoft.com/office/drawing/2010/main" val="0"/>
               </a:ext>
             </a:extLst>
           </a:blip>
@@ -32757,7 +32815,7 @@
     </p:spTree>
     <p:extLst>
       <p:ext uri="{BB962C8B-B14F-4D97-AF65-F5344CB8AC3E}">
-        <p14:creationId xmlns:p14="http://schemas.microsoft.com/office/powerpoint/2010/main" xmlns="" val="2122807732"/>
+        <p14:creationId xmlns:p14="http://schemas.microsoft.com/office/powerpoint/2010/main" val="2122807732"/>
       </p:ext>
     </p:extLst>
   </p:cSld>
@@ -33217,7 +33275,7 @@
   <a:extraClrSchemeLst/>
   <a:extLst>
     <a:ext uri="{05A4C25C-085E-4340-85A3-A5531E510DB2}">
-      <thm15:themeFamily xmlns:thm15="http://schemas.microsoft.com/office/thememl/2012/main" xmlns="" name="Ion" id="{B8441ADB-2E43-4AF7-B97A-BD870242C6A8}" vid="{A207AED3-9ABC-4A18-9978-A59B65688B15}"/>
+      <thm15:themeFamily xmlns:thm15="http://schemas.microsoft.com/office/thememl/2012/main" name="Ion" id="{B8441ADB-2E43-4AF7-B97A-BD870242C6A8}" vid="{A207AED3-9ABC-4A18-9978-A59B65688B15}"/>
     </a:ext>
   </a:extLst>
 </a:theme>
@@ -33512,7 +33570,7 @@
   <a:extraClrSchemeLst/>
   <a:extLst>
     <a:ext uri="{05A4C25C-085E-4340-85A3-A5531E510DB2}">
-      <thm15:themeFamily xmlns:thm15="http://schemas.microsoft.com/office/thememl/2012/main" xmlns="" name="Office Theme" id="{62F939B6-93AF-4DB8-9C6B-D6C7DFDC589F}" vid="{4A3C46E8-61CC-4603-A589-7422A47A8E4A}"/>
+      <thm15:themeFamily xmlns:thm15="http://schemas.microsoft.com/office/thememl/2012/main" name="Office Theme" id="{62F939B6-93AF-4DB8-9C6B-D6C7DFDC589F}" vid="{4A3C46E8-61CC-4603-A589-7422A47A8E4A}"/>
     </a:ext>
   </a:extLst>
 </a:theme>
